--- a/final/SNIEOSIKOV OLEH.pptx
+++ b/final/SNIEOSIKOV OLEH.pptx
@@ -3015,17 +3015,37 @@
               <a:rPr lang="en-US" dirty="0" smtClean="0"/>
             </a:br>
             <a:r>
-              <a:rPr lang="en-US" dirty="0" smtClean="0"/>
+              <a:rPr lang="en-US" dirty="0" smtClean="0">
+                <a:solidFill>
+                  <a:srgbClr val="FFC000"/>
+                </a:solidFill>
+                <a:latin typeface="Baskerville Old Face" panose="02020602080505020303" pitchFamily="18" charset="0"/>
+              </a:rPr>
               <a:t>Final Project:</a:t>
             </a:r>
             <a:br>
-              <a:rPr lang="en-US" dirty="0" smtClean="0"/>
+              <a:rPr lang="en-US" dirty="0" smtClean="0">
+                <a:solidFill>
+                  <a:srgbClr val="FFC000"/>
+                </a:solidFill>
+                <a:latin typeface="Baskerville Old Face" panose="02020602080505020303" pitchFamily="18" charset="0"/>
+              </a:rPr>
             </a:br>
             <a:r>
-              <a:rPr lang="en-US" dirty="0" smtClean="0"/>
+              <a:rPr lang="en-US" dirty="0" smtClean="0">
+                <a:solidFill>
+                  <a:srgbClr val="FFC000"/>
+                </a:solidFill>
+                <a:latin typeface="Baskerville Old Face" panose="02020602080505020303" pitchFamily="18" charset="0"/>
+              </a:rPr>
               <a:t>Simple CI/CD presentation</a:t>
             </a:r>
-            <a:endParaRPr lang="en-US" dirty="0"/>
+            <a:endParaRPr lang="en-US" dirty="0">
+              <a:solidFill>
+                <a:srgbClr val="FFC000"/>
+              </a:solidFill>
+              <a:latin typeface="Baskerville Old Face" panose="02020602080505020303" pitchFamily="18" charset="0"/>
+            </a:endParaRPr>
           </a:p>
         </p:txBody>
       </p:sp>
@@ -3101,6 +3121,13 @@
   <p:clrMapOvr>
     <a:masterClrMapping/>
   </p:clrMapOvr>
+  <p:timing>
+    <p:tnLst>
+      <p:par>
+        <p:cTn id="1" dur="indefinite" restart="never" nodeType="tmRoot"/>
+      </p:par>
+    </p:tnLst>
+  </p:timing>
 </p:sld>
 </file>
 
@@ -3146,7 +3173,15 @@
             <a:pPr algn="ctr"/>
             <a:r>
               <a:rPr lang="en-US" dirty="0" smtClean="0"/>
-              <a:t>All instances is works !</a:t>
+              <a:t>All </a:t>
+            </a:r>
+            <a:r>
+              <a:rPr lang="en-US" dirty="0" smtClean="0"/>
+              <a:t>instances work </a:t>
+            </a:r>
+            <a:r>
+              <a:rPr lang="en-US" dirty="0" smtClean="0"/>
+              <a:t>!</a:t>
             </a:r>
             <a:endParaRPr lang="en-US" dirty="0"/>
           </a:p>
@@ -3210,6 +3245,13 @@
   <p:clrMapOvr>
     <a:masterClrMapping/>
   </p:clrMapOvr>
+  <p:timing>
+    <p:tnLst>
+      <p:par>
+        <p:cTn id="1" dur="indefinite" restart="never" nodeType="tmRoot"/>
+      </p:par>
+    </p:tnLst>
+  </p:timing>
 </p:sld>
 </file>
 
@@ -3580,6 +3622,13 @@
   <p:clrMapOvr>
     <a:masterClrMapping/>
   </p:clrMapOvr>
+  <p:timing>
+    <p:tnLst>
+      <p:par>
+        <p:cTn id="1" dur="indefinite" restart="never" nodeType="tmRoot"/>
+      </p:par>
+    </p:tnLst>
+  </p:timing>
 </p:sld>
 </file>
 
@@ -3689,6 +3738,13 @@
   <p:clrMapOvr>
     <a:masterClrMapping/>
   </p:clrMapOvr>
+  <p:timing>
+    <p:tnLst>
+      <p:par>
+        <p:cTn id="1" dur="indefinite" restart="never" nodeType="tmRoot"/>
+      </p:par>
+    </p:tnLst>
+  </p:timing>
 </p:sld>
 </file>
 
@@ -3862,6 +3918,13 @@
   <p:clrMapOvr>
     <a:masterClrMapping/>
   </p:clrMapOvr>
+  <p:timing>
+    <p:tnLst>
+      <p:par>
+        <p:cTn id="1" dur="indefinite" restart="never" nodeType="tmRoot"/>
+      </p:par>
+    </p:tnLst>
+  </p:timing>
 </p:sld>
 </file>
 
@@ -3948,7 +4011,7 @@
       </p:pic>
       <p:pic>
         <p:nvPicPr>
-          <p:cNvPr id="6" name="Рисунок 5"/>
+          <p:cNvPr id="7" name="Рисунок 6"/>
           <p:cNvPicPr>
             <a:picLocks noChangeAspect="1"/>
           </p:cNvPicPr>
@@ -3962,8 +4025,8 @@
         </p:blipFill>
         <p:spPr>
           <a:xfrm>
-            <a:off x="6219823" y="66675"/>
-            <a:ext cx="6057900" cy="6477000"/>
+            <a:off x="0" y="4005261"/>
+            <a:ext cx="4200525" cy="1724025"/>
           </a:xfrm>
           <a:prstGeom prst="rect">
             <a:avLst/>
@@ -3972,7 +4035,7 @@
       </p:pic>
       <p:pic>
         <p:nvPicPr>
-          <p:cNvPr id="7" name="Рисунок 6"/>
+          <p:cNvPr id="8" name="Рисунок 7"/>
           <p:cNvPicPr>
             <a:picLocks noChangeAspect="1"/>
           </p:cNvPicPr>
@@ -3986,8 +4049,8 @@
         </p:blipFill>
         <p:spPr>
           <a:xfrm>
-            <a:off x="0" y="4005261"/>
-            <a:ext cx="4200525" cy="1724025"/>
+            <a:off x="0" y="5600700"/>
+            <a:ext cx="3209925" cy="1257300"/>
           </a:xfrm>
           <a:prstGeom prst="rect">
             <a:avLst/>
@@ -3996,7 +4059,7 @@
       </p:pic>
       <p:pic>
         <p:nvPicPr>
-          <p:cNvPr id="8" name="Рисунок 7"/>
+          <p:cNvPr id="4" name="Рисунок 3"/>
           <p:cNvPicPr>
             <a:picLocks noChangeAspect="1"/>
           </p:cNvPicPr>
@@ -4010,8 +4073,8 @@
         </p:blipFill>
         <p:spPr>
           <a:xfrm>
-            <a:off x="0" y="5600700"/>
-            <a:ext cx="3209925" cy="1257300"/>
+            <a:off x="6357516" y="-1"/>
+            <a:ext cx="5754127" cy="6280913"/>
           </a:xfrm>
           <a:prstGeom prst="rect">
             <a:avLst/>
@@ -4028,6 +4091,13 @@
   <p:clrMapOvr>
     <a:masterClrMapping/>
   </p:clrMapOvr>
+  <p:timing>
+    <p:tnLst>
+      <p:par>
+        <p:cTn id="1" dur="indefinite" restart="never" nodeType="tmRoot"/>
+      </p:par>
+    </p:tnLst>
+  </p:timing>
 </p:sld>
 </file>
 
@@ -4290,6 +4360,13 @@
   <p:clrMapOvr>
     <a:masterClrMapping/>
   </p:clrMapOvr>
+  <p:timing>
+    <p:tnLst>
+      <p:par>
+        <p:cTn id="1" dur="indefinite" restart="never" nodeType="tmRoot"/>
+      </p:par>
+    </p:tnLst>
+  </p:timing>
 </p:sld>
 </file>
 
@@ -4322,8 +4399,8 @@
         </p:nvSpPr>
         <p:spPr>
           <a:xfrm>
-            <a:off x="219075" y="365125"/>
-            <a:ext cx="11525250" cy="1978025"/>
+            <a:off x="137506" y="224083"/>
+            <a:ext cx="11525250" cy="1312372"/>
           </a:xfrm>
         </p:spPr>
         <p:txBody>
@@ -4374,6 +4451,192 @@
           </a:p>
         </p:txBody>
       </p:sp>
+      <p:sp>
+        <p:nvSpPr>
+          <p:cNvPr id="3" name="Прямоугольник 2"/>
+          <p:cNvSpPr/>
+          <p:nvPr/>
+        </p:nvSpPr>
+        <p:spPr>
+          <a:xfrm>
+            <a:off x="137506" y="1686444"/>
+            <a:ext cx="11504814" cy="1477328"/>
+          </a:xfrm>
+          <a:prstGeom prst="rect">
+            <a:avLst/>
+          </a:prstGeom>
+        </p:spPr>
+        <p:txBody>
+          <a:bodyPr wrap="square">
+            <a:spAutoFit/>
+          </a:bodyPr>
+          <a:lstStyle/>
+          <a:p>
+            <a:r>
+              <a:rPr lang="en-US" dirty="0" smtClean="0"/>
+              <a:t>Location of my example of repo for </a:t>
+            </a:r>
+            <a:r>
+              <a:rPr lang="en-US" dirty="0" err="1" smtClean="0"/>
+              <a:t>webhook</a:t>
+            </a:r>
+            <a:r>
+              <a:rPr lang="en-US" dirty="0" smtClean="0"/>
+              <a:t> in Jenkins, is:</a:t>
+            </a:r>
+            <a:br>
+              <a:rPr lang="en-US" dirty="0" smtClean="0"/>
+            </a:br>
+            <a:r>
+              <a:rPr lang="en-US" dirty="0" smtClean="0"/>
+              <a:t/>
+            </a:r>
+            <a:br>
+              <a:rPr lang="en-US" dirty="0" smtClean="0"/>
+            </a:br>
+            <a:r>
+              <a:rPr lang="en-US" dirty="0" smtClean="0">
+                <a:hlinkClick r:id="rId3"/>
+              </a:rPr>
+              <a:t>https</a:t>
+            </a:r>
+            <a:r>
+              <a:rPr lang="en-US" dirty="0">
+                <a:hlinkClick r:id="rId3"/>
+              </a:rPr>
+              <a:t>://</a:t>
+            </a:r>
+            <a:r>
+              <a:rPr lang="en-US" dirty="0" smtClean="0">
+                <a:hlinkClick r:id="rId3"/>
+              </a:rPr>
+              <a:t>github.com/Oleg-dp/DevOps_online_Dnipro_2020Q42021Q1/tree/master/final/TEST-REPO</a:t>
+            </a:r>
+            <a:endParaRPr lang="en-US" dirty="0" smtClean="0"/>
+          </a:p>
+          <a:p>
+            <a:endParaRPr lang="en-US" dirty="0" smtClean="0"/>
+          </a:p>
+          <a:p>
+            <a:endParaRPr lang="en-US" dirty="0"/>
+          </a:p>
+        </p:txBody>
+      </p:sp>
+      <p:sp>
+        <p:nvSpPr>
+          <p:cNvPr id="4" name="TextBox 3"/>
+          <p:cNvSpPr txBox="1"/>
+          <p:nvPr/>
+        </p:nvSpPr>
+        <p:spPr>
+          <a:xfrm>
+            <a:off x="199505" y="2892829"/>
+            <a:ext cx="11077056" cy="1194273"/>
+          </a:xfrm>
+          <a:prstGeom prst="rect">
+            <a:avLst/>
+          </a:prstGeom>
+          <a:noFill/>
+        </p:spPr>
+        <p:txBody>
+          <a:bodyPr wrap="square" rtlCol="0">
+            <a:spAutoFit/>
+          </a:bodyPr>
+          <a:lstStyle/>
+          <a:p>
+            <a:r>
+              <a:rPr lang="en-US" dirty="0"/>
+              <a:t>Ironically, just before defend of Final Project, all Let’s Encrypt Certificates </a:t>
+            </a:r>
+            <a:r>
+              <a:rPr lang="en-US" dirty="0" smtClean="0"/>
+              <a:t>informed </a:t>
+            </a:r>
+            <a:r>
+              <a:rPr lang="en-US" dirty="0"/>
+              <a:t>me</a:t>
+            </a:r>
+            <a:r>
+              <a:rPr lang="en-US" dirty="0">
+                <a:solidFill>
+                  <a:srgbClr val="FF0000"/>
+                </a:solidFill>
+              </a:rPr>
+              <a:t>: </a:t>
+            </a:r>
+            <a:r>
+              <a:rPr lang="en-US" dirty="0" smtClean="0">
+                <a:solidFill>
+                  <a:srgbClr val="FF0000"/>
+                </a:solidFill>
+              </a:rPr>
+              <a:t/>
+            </a:r>
+            <a:br>
+              <a:rPr lang="en-US" dirty="0" smtClean="0">
+                <a:solidFill>
+                  <a:srgbClr val="FF0000"/>
+                </a:solidFill>
+              </a:rPr>
+            </a:br>
+            <a:r>
+              <a:rPr lang="en-US" dirty="0" smtClean="0">
+                <a:solidFill>
+                  <a:srgbClr val="FF0000"/>
+                </a:solidFill>
+              </a:rPr>
+              <a:t>Error </a:t>
+            </a:r>
+            <a:r>
+              <a:rPr lang="en-US" dirty="0">
+                <a:solidFill>
+                  <a:srgbClr val="FF0000"/>
+                </a:solidFill>
+              </a:rPr>
+              <a:t>creating new order :: too many certificates already issued for exact set of domains</a:t>
+            </a:r>
+          </a:p>
+          <a:p>
+            <a:r>
+              <a:rPr lang="en-US" dirty="0"/>
+              <a:t>Thus, I was forced to change the FQDN and make sure that my configuration works on the new domain names as well</a:t>
+            </a:r>
+            <a:r>
+              <a:rPr lang="en-US" dirty="0" smtClean="0"/>
+              <a:t>. </a:t>
+            </a:r>
+            <a:endParaRPr lang="en-US" dirty="0">
+              <a:solidFill>
+                <a:srgbClr val="FF0000"/>
+              </a:solidFill>
+            </a:endParaRPr>
+          </a:p>
+        </p:txBody>
+      </p:sp>
+      <p:pic>
+        <p:nvPicPr>
+          <p:cNvPr id="5" name="Рисунок 4"/>
+          <p:cNvPicPr>
+            <a:picLocks noChangeAspect="1"/>
+          </p:cNvPicPr>
+          <p:nvPr/>
+        </p:nvPicPr>
+        <p:blipFill>
+          <a:blip r:embed="rId4"/>
+          <a:stretch>
+            <a:fillRect/>
+          </a:stretch>
+        </p:blipFill>
+        <p:spPr>
+          <a:xfrm>
+            <a:off x="953020" y="4215159"/>
+            <a:ext cx="8972550" cy="1819275"/>
+          </a:xfrm>
+          <a:prstGeom prst="rect">
+            <a:avLst/>
+          </a:prstGeom>
+        </p:spPr>
+      </p:pic>
     </p:spTree>
     <p:extLst>
       <p:ext uri="{BB962C8B-B14F-4D97-AF65-F5344CB8AC3E}">
@@ -4384,6 +4647,13 @@
   <p:clrMapOvr>
     <a:masterClrMapping/>
   </p:clrMapOvr>
+  <p:timing>
+    <p:tnLst>
+      <p:par>
+        <p:cTn id="1" dur="indefinite" restart="never" nodeType="tmRoot"/>
+      </p:par>
+    </p:tnLst>
+  </p:timing>
 </p:sld>
 </file>
 
@@ -4416,8 +4686,8 @@
         </p:nvSpPr>
         <p:spPr>
           <a:xfrm>
-            <a:off x="781050" y="2403475"/>
-            <a:ext cx="10515600" cy="1325563"/>
+            <a:off x="747799" y="1587731"/>
+            <a:ext cx="10515600" cy="3072333"/>
           </a:xfrm>
         </p:spPr>
         <p:txBody>
@@ -4428,17 +4698,19 @@
           <a:p>
             <a:pPr algn="ctr"/>
             <a:r>
-              <a:rPr lang="en-US" sz="6600" dirty="0" smtClean="0">
+              <a:rPr lang="en-US" sz="8000" dirty="0" smtClean="0">
                 <a:solidFill>
                   <a:srgbClr val="FF0000"/>
                 </a:solidFill>
+                <a:latin typeface="Bell MT" panose="02020503060305020303" pitchFamily="18" charset="0"/>
               </a:rPr>
               <a:t>Thank you very much!</a:t>
             </a:r>
-            <a:endParaRPr lang="en-US" sz="6600" dirty="0">
+            <a:endParaRPr lang="en-US" sz="8000" dirty="0">
               <a:solidFill>
                 <a:srgbClr val="FF0000"/>
               </a:solidFill>
+              <a:latin typeface="Bell MT" panose="02020503060305020303" pitchFamily="18" charset="0"/>
             </a:endParaRPr>
           </a:p>
         </p:txBody>
@@ -4453,6 +4725,13 @@
   <p:clrMapOvr>
     <a:masterClrMapping/>
   </p:clrMapOvr>
+  <p:timing>
+    <p:tnLst>
+      <p:par>
+        <p:cTn id="1" dur="indefinite" restart="never" nodeType="tmRoot"/>
+      </p:par>
+    </p:tnLst>
+  </p:timing>
 </p:sld>
 </file>
 
@@ -4485,7 +4764,7 @@
         </p:nvSpPr>
         <p:spPr>
           <a:xfrm>
-            <a:off x="712431" y="139102"/>
+            <a:off x="609600" y="-41838"/>
             <a:ext cx="10515600" cy="1257435"/>
           </a:xfrm>
         </p:spPr>
@@ -4997,6 +5276,13 @@
   <p:clrMapOvr>
     <a:masterClrMapping/>
   </p:clrMapOvr>
+  <p:timing>
+    <p:tnLst>
+      <p:par>
+        <p:cTn id="1" dur="indefinite" restart="never" nodeType="tmRoot"/>
+      </p:par>
+    </p:tnLst>
+  </p:timing>
 </p:sld>
 </file>
 
@@ -5087,6 +5373,13 @@
   <p:clrMapOvr>
     <a:masterClrMapping/>
   </p:clrMapOvr>
+  <p:timing>
+    <p:tnLst>
+      <p:par>
+        <p:cTn id="1" dur="indefinite" restart="never" nodeType="tmRoot"/>
+      </p:par>
+    </p:tnLst>
+  </p:timing>
 </p:sld>
 </file>
 
@@ -5129,7 +5422,7 @@
                   <a:srgbClr val="FF0000"/>
                 </a:solidFill>
               </a:rPr>
-              <a:t>Intent </a:t>
+              <a:t>Purpose </a:t>
             </a:r>
             <a:r>
               <a:rPr lang="en-US" dirty="0">
@@ -5137,7 +5430,23 @@
                   <a:srgbClr val="FF0000"/>
                 </a:solidFill>
               </a:rPr>
-              <a:t>of my project is create my infrastructure just a click </a:t>
+              <a:t>of my project is </a:t>
+            </a:r>
+            <a:r>
+              <a:rPr lang="en-US" dirty="0" smtClean="0">
+                <a:solidFill>
+                  <a:srgbClr val="FF0000"/>
+                </a:solidFill>
+              </a:rPr>
+              <a:t>to create </a:t>
+            </a:r>
+            <a:r>
+              <a:rPr lang="en-US" dirty="0">
+                <a:solidFill>
+                  <a:srgbClr val="FF0000"/>
+                </a:solidFill>
+              </a:rPr>
+              <a:t>my infrastructure just a click </a:t>
             </a:r>
           </a:p>
         </p:txBody>
@@ -5419,7 +5728,23 @@
                   <a:srgbClr val="FF0000"/>
                 </a:solidFill>
               </a:rPr>
-              <a:t>For example, some software will be installed by terraform</a:t>
+              <a:t>For example, some software will be </a:t>
+            </a:r>
+            <a:r>
+              <a:rPr lang="en-US" sz="1900" i="1" dirty="0" smtClean="0">
+                <a:solidFill>
+                  <a:srgbClr val="FF0000"/>
+                </a:solidFill>
+              </a:rPr>
+              <a:t>installed by </a:t>
+            </a:r>
+            <a:r>
+              <a:rPr lang="en-US" sz="1900" i="1" dirty="0">
+                <a:solidFill>
+                  <a:srgbClr val="FF0000"/>
+                </a:solidFill>
+              </a:rPr>
+              <a:t>terraform</a:t>
             </a:r>
             <a:r>
               <a:rPr lang="en-US" dirty="0" smtClean="0">
@@ -5694,6 +6019,13 @@
   <p:clrMapOvr>
     <a:masterClrMapping/>
   </p:clrMapOvr>
+  <p:timing>
+    <p:tnLst>
+      <p:par>
+        <p:cTn id="1" dur="indefinite" restart="never" nodeType="tmRoot"/>
+      </p:par>
+    </p:tnLst>
+  </p:timing>
 </p:sld>
 </file>
 
@@ -5772,6 +6104,13 @@
   <p:clrMapOvr>
     <a:masterClrMapping/>
   </p:clrMapOvr>
+  <p:timing>
+    <p:tnLst>
+      <p:par>
+        <p:cTn id="1" dur="indefinite" restart="never" nodeType="tmRoot"/>
+      </p:par>
+    </p:tnLst>
+  </p:timing>
 </p:sld>
 </file>
 
@@ -5896,6 +6235,13 @@
   <p:clrMapOvr>
     <a:masterClrMapping/>
   </p:clrMapOvr>
+  <p:timing>
+    <p:tnLst>
+      <p:par>
+        <p:cTn id="1" dur="indefinite" restart="never" nodeType="tmRoot"/>
+      </p:par>
+    </p:tnLst>
+  </p:timing>
 </p:sld>
 </file>
 
@@ -5976,6 +6322,13 @@
   <p:clrMapOvr>
     <a:masterClrMapping/>
   </p:clrMapOvr>
+  <p:timing>
+    <p:tnLst>
+      <p:par>
+        <p:cTn id="1" dur="indefinite" restart="never" nodeType="tmRoot"/>
+      </p:par>
+    </p:tnLst>
+  </p:timing>
 </p:sld>
 </file>
 
@@ -6080,6 +6433,13 @@
   <p:clrMapOvr>
     <a:masterClrMapping/>
   </p:clrMapOvr>
+  <p:timing>
+    <p:tnLst>
+      <p:par>
+        <p:cTn id="1" dur="indefinite" restart="never" nodeType="tmRoot"/>
+      </p:par>
+    </p:tnLst>
+  </p:timing>
 </p:sld>
 </file>
 
@@ -6216,6 +6576,13 @@
   <p:clrMapOvr>
     <a:masterClrMapping/>
   </p:clrMapOvr>
+  <p:timing>
+    <p:tnLst>
+      <p:par>
+        <p:cTn id="1" dur="indefinite" restart="never" nodeType="tmRoot"/>
+      </p:par>
+    </p:tnLst>
+  </p:timing>
 </p:sld>
 </file>
 

--- a/final/SNIEOSIKOV OLEH.pptx
+++ b/final/SNIEOSIKOV OLEH.pptx
@@ -259,7 +259,7 @@
           <a:p>
             <a:fld id="{2087CE15-6D4E-43FC-A92C-42DA02A5558B}" type="datetimeFigureOut">
               <a:rPr lang="en-US" smtClean="0"/>
-              <a:t>3/22/2021</a:t>
+              <a:t>3/23/2021</a:t>
             </a:fld>
             <a:endParaRPr lang="en-US"/>
           </a:p>
@@ -429,7 +429,7 @@
           <a:p>
             <a:fld id="{2087CE15-6D4E-43FC-A92C-42DA02A5558B}" type="datetimeFigureOut">
               <a:rPr lang="en-US" smtClean="0"/>
-              <a:t>3/22/2021</a:t>
+              <a:t>3/23/2021</a:t>
             </a:fld>
             <a:endParaRPr lang="en-US"/>
           </a:p>
@@ -609,7 +609,7 @@
           <a:p>
             <a:fld id="{2087CE15-6D4E-43FC-A92C-42DA02A5558B}" type="datetimeFigureOut">
               <a:rPr lang="en-US" smtClean="0"/>
-              <a:t>3/22/2021</a:t>
+              <a:t>3/23/2021</a:t>
             </a:fld>
             <a:endParaRPr lang="en-US"/>
           </a:p>
@@ -779,7 +779,7 @@
           <a:p>
             <a:fld id="{2087CE15-6D4E-43FC-A92C-42DA02A5558B}" type="datetimeFigureOut">
               <a:rPr lang="en-US" smtClean="0"/>
-              <a:t>3/22/2021</a:t>
+              <a:t>3/23/2021</a:t>
             </a:fld>
             <a:endParaRPr lang="en-US"/>
           </a:p>
@@ -1025,7 +1025,7 @@
           <a:p>
             <a:fld id="{2087CE15-6D4E-43FC-A92C-42DA02A5558B}" type="datetimeFigureOut">
               <a:rPr lang="en-US" smtClean="0"/>
-              <a:t>3/22/2021</a:t>
+              <a:t>3/23/2021</a:t>
             </a:fld>
             <a:endParaRPr lang="en-US"/>
           </a:p>
@@ -1257,7 +1257,7 @@
           <a:p>
             <a:fld id="{2087CE15-6D4E-43FC-A92C-42DA02A5558B}" type="datetimeFigureOut">
               <a:rPr lang="en-US" smtClean="0"/>
-              <a:t>3/22/2021</a:t>
+              <a:t>3/23/2021</a:t>
             </a:fld>
             <a:endParaRPr lang="en-US"/>
           </a:p>
@@ -1624,7 +1624,7 @@
           <a:p>
             <a:fld id="{2087CE15-6D4E-43FC-A92C-42DA02A5558B}" type="datetimeFigureOut">
               <a:rPr lang="en-US" smtClean="0"/>
-              <a:t>3/22/2021</a:t>
+              <a:t>3/23/2021</a:t>
             </a:fld>
             <a:endParaRPr lang="en-US"/>
           </a:p>
@@ -1742,7 +1742,7 @@
           <a:p>
             <a:fld id="{2087CE15-6D4E-43FC-A92C-42DA02A5558B}" type="datetimeFigureOut">
               <a:rPr lang="en-US" smtClean="0"/>
-              <a:t>3/22/2021</a:t>
+              <a:t>3/23/2021</a:t>
             </a:fld>
             <a:endParaRPr lang="en-US"/>
           </a:p>
@@ -1837,7 +1837,7 @@
           <a:p>
             <a:fld id="{2087CE15-6D4E-43FC-A92C-42DA02A5558B}" type="datetimeFigureOut">
               <a:rPr lang="en-US" smtClean="0"/>
-              <a:t>3/22/2021</a:t>
+              <a:t>3/23/2021</a:t>
             </a:fld>
             <a:endParaRPr lang="en-US"/>
           </a:p>
@@ -2114,7 +2114,7 @@
           <a:p>
             <a:fld id="{2087CE15-6D4E-43FC-A92C-42DA02A5558B}" type="datetimeFigureOut">
               <a:rPr lang="en-US" smtClean="0"/>
-              <a:t>3/22/2021</a:t>
+              <a:t>3/23/2021</a:t>
             </a:fld>
             <a:endParaRPr lang="en-US"/>
           </a:p>
@@ -2367,7 +2367,7 @@
           <a:p>
             <a:fld id="{2087CE15-6D4E-43FC-A92C-42DA02A5558B}" type="datetimeFigureOut">
               <a:rPr lang="en-US" smtClean="0"/>
-              <a:t>3/22/2021</a:t>
+              <a:t>3/23/2021</a:t>
             </a:fld>
             <a:endParaRPr lang="en-US"/>
           </a:p>
@@ -2580,7 +2580,7 @@
           <a:p>
             <a:fld id="{2087CE15-6D4E-43FC-A92C-42DA02A5558B}" type="datetimeFigureOut">
               <a:rPr lang="en-US" smtClean="0"/>
-              <a:t>3/22/2021</a:t>
+              <a:t>3/23/2021</a:t>
             </a:fld>
             <a:endParaRPr lang="en-US"/>
           </a:p>
@@ -3173,15 +3173,7 @@
             <a:pPr algn="ctr"/>
             <a:r>
               <a:rPr lang="en-US" dirty="0" smtClean="0"/>
-              <a:t>All </a:t>
-            </a:r>
-            <a:r>
-              <a:rPr lang="en-US" dirty="0" smtClean="0"/>
-              <a:t>instances work </a:t>
-            </a:r>
-            <a:r>
-              <a:rPr lang="en-US" dirty="0" smtClean="0"/>
-              <a:t>!</a:t>
+              <a:t>All instances work !</a:t>
             </a:r>
             <a:endParaRPr lang="en-US" dirty="0"/>
           </a:p>
@@ -5965,14 +5957,14 @@
               <a:t>Run Job for Java </a:t>
             </a:r>
             <a:r>
-              <a:rPr lang="en-US" dirty="0">
+              <a:rPr lang="en-US" smtClean="0">
                 <a:solidFill>
                   <a:schemeClr val="accent4">
                     <a:lumMod val="50000"/>
                   </a:schemeClr>
                 </a:solidFill>
               </a:rPr>
-              <a:t>APP </a:t>
+              <a:t>and Flask </a:t>
             </a:r>
             <a:r>
               <a:rPr lang="en-US" dirty="0" smtClean="0">
@@ -5982,7 +5974,7 @@
                   </a:schemeClr>
                 </a:solidFill>
               </a:rPr>
-              <a:t>deploy</a:t>
+              <a:t>APP deploy</a:t>
             </a:r>
             <a:endParaRPr lang="en-US" dirty="0">
               <a:solidFill>
